--- a/算法与数据结构.pptx
+++ b/算法与数据结构.pptx
@@ -7,6 +7,9 @@
   <p:sldIdLst>
     <p:sldId id="256" r:id="rId2"/>
     <p:sldId id="257" r:id="rId3"/>
+    <p:sldId id="258" r:id="rId4"/>
+    <p:sldId id="260" r:id="rId5"/>
+    <p:sldId id="259" r:id="rId6"/>
   </p:sldIdLst>
   <p:sldSz cx="12192000" cy="6858000"/>
   <p:notesSz cx="6858000" cy="9144000"/>
@@ -105,6 +108,11 @@
       </a:defRPr>
     </a:lvl9pPr>
   </p:defaultTextStyle>
+  <p:extLst>
+    <p:ext uri="{EFAFB233-063F-42B5-8137-9DF3F51BA10A}">
+      <p15:sldGuideLst xmlns:p15="http://schemas.microsoft.com/office/powerpoint/2012/main"/>
+    </p:ext>
+  </p:extLst>
 </p:presentation>
 </file>
 
@@ -6110,12 +6118,31 @@
           </a:p>
           <a:p>
             <a:r>
-              <a:rPr lang="en-US" altLang="zh-CN" dirty="0"/>
+              <a:rPr lang="en-US" altLang="zh-CN" dirty="0">
+                <a:latin typeface="Times New Roman" panose="02020603050405020304" pitchFamily="18" charset="0"/>
+                <a:cs typeface="Times New Roman" panose="02020603050405020304" pitchFamily="18" charset="0"/>
+              </a:rPr>
               <a:t>Dijkstra</a:t>
             </a:r>
             <a:r>
               <a:rPr lang="zh-CN" altLang="en-US" dirty="0"/>
               <a:t>算法</a:t>
+            </a:r>
+            <a:endParaRPr lang="en-US" altLang="zh-CN" dirty="0"/>
+          </a:p>
+          <a:p>
+            <a:pPr lvl="1"/>
+            <a:r>
+              <a:rPr lang="zh-CN" altLang="en-US" dirty="0"/>
+              <a:t>单源节点到每个节点的最小路径</a:t>
+            </a:r>
+            <a:endParaRPr lang="en-US" altLang="zh-CN" dirty="0"/>
+          </a:p>
+          <a:p>
+            <a:pPr lvl="1"/>
+            <a:r>
+              <a:rPr lang="zh-CN" altLang="en-US" dirty="0"/>
+              <a:t>小根堆优化</a:t>
             </a:r>
             <a:endParaRPr lang="en-US" altLang="zh-CN" dirty="0"/>
           </a:p>
@@ -6131,6 +6158,495 @@
     <p:extLst>
       <p:ext uri="{BB962C8B-B14F-4D97-AF65-F5344CB8AC3E}">
         <p14:creationId xmlns:p14="http://schemas.microsoft.com/office/powerpoint/2010/main" val="153703612"/>
+      </p:ext>
+    </p:extLst>
+  </p:cSld>
+  <p:clrMapOvr>
+    <a:masterClrMapping/>
+  </p:clrMapOvr>
+</p:sld>
+</file>
+
+<file path=ppt/slides/slide3.xml><?xml version="1.0" encoding="utf-8"?>
+<p:sld xmlns:a="http://schemas.openxmlformats.org/drawingml/2006/main" xmlns:r="http://schemas.openxmlformats.org/officeDocument/2006/relationships" xmlns:p="http://schemas.openxmlformats.org/presentationml/2006/main">
+  <p:cSld>
+    <p:spTree>
+      <p:nvGrpSpPr>
+        <p:cNvPr id="1" name=""/>
+        <p:cNvGrpSpPr/>
+        <p:nvPr/>
+      </p:nvGrpSpPr>
+      <p:grpSpPr>
+        <a:xfrm>
+          <a:off x="0" y="0"/>
+          <a:ext cx="0" cy="0"/>
+          <a:chOff x="0" y="0"/>
+          <a:chExt cx="0" cy="0"/>
+        </a:xfrm>
+      </p:grpSpPr>
+      <p:sp>
+        <p:nvSpPr>
+          <p:cNvPr id="2" name="标题 1">
+            <a:extLst>
+              <a:ext uri="{FF2B5EF4-FFF2-40B4-BE49-F238E27FC236}">
+                <a16:creationId xmlns:a16="http://schemas.microsoft.com/office/drawing/2014/main" id="{3659FD93-BBD5-4803-8955-8A10587CE0C8}"/>
+              </a:ext>
+            </a:extLst>
+          </p:cNvPr>
+          <p:cNvSpPr>
+            <a:spLocks noGrp="1"/>
+          </p:cNvSpPr>
+          <p:nvPr>
+            <p:ph type="title"/>
+          </p:nvPr>
+        </p:nvSpPr>
+        <p:spPr/>
+        <p:txBody>
+          <a:bodyPr/>
+          <a:lstStyle/>
+          <a:p>
+            <a:r>
+              <a:rPr lang="zh-CN" altLang="en-US" dirty="0"/>
+              <a:t>暴力递归</a:t>
+            </a:r>
+            <a:r>
+              <a:rPr lang="en-US" altLang="zh-CN" dirty="0"/>
+              <a:t>(Violent recursion)	</a:t>
+            </a:r>
+            <a:endParaRPr lang="zh-CN" altLang="en-US" dirty="0"/>
+          </a:p>
+        </p:txBody>
+      </p:sp>
+      <p:sp>
+        <p:nvSpPr>
+          <p:cNvPr id="3" name="内容占位符 2">
+            <a:extLst>
+              <a:ext uri="{FF2B5EF4-FFF2-40B4-BE49-F238E27FC236}">
+                <a16:creationId xmlns:a16="http://schemas.microsoft.com/office/drawing/2014/main" id="{D7C9C12E-3FCE-4DF8-A377-DE7A7604027B}"/>
+              </a:ext>
+            </a:extLst>
+          </p:cNvPr>
+          <p:cNvSpPr>
+            <a:spLocks noGrp="1"/>
+          </p:cNvSpPr>
+          <p:nvPr>
+            <p:ph idx="1"/>
+          </p:nvPr>
+        </p:nvSpPr>
+        <p:spPr>
+          <a:xfrm>
+            <a:off x="1104293" y="1697673"/>
+            <a:ext cx="8946541" cy="4552034"/>
+          </a:xfrm>
+        </p:spPr>
+        <p:txBody>
+          <a:bodyPr>
+            <a:noAutofit/>
+          </a:bodyPr>
+          <a:lstStyle/>
+          <a:p>
+            <a:r>
+              <a:rPr lang="zh-CN" altLang="en-US" dirty="0">
+                <a:latin typeface="+mj-ea"/>
+              </a:rPr>
+              <a:t>汉诺塔问题</a:t>
+            </a:r>
+            <a:endParaRPr lang="en-US" altLang="zh-CN" dirty="0">
+              <a:latin typeface="+mj-ea"/>
+            </a:endParaRPr>
+          </a:p>
+          <a:p>
+            <a:pPr lvl="1"/>
+            <a:r>
+              <a:rPr lang="zh-CN" altLang="en-US" dirty="0"/>
+              <a:t>非递归</a:t>
+            </a:r>
+            <a:endParaRPr lang="en-US" altLang="zh-CN" dirty="0"/>
+          </a:p>
+          <a:p>
+            <a:pPr marL="342900" lvl="1" indent="-342900"/>
+            <a:r>
+              <a:rPr lang="zh-CN" altLang="en-US" sz="2000" dirty="0">
+                <a:latin typeface="+mj-ea"/>
+              </a:rPr>
+              <a:t>栈逆序</a:t>
+            </a:r>
+            <a:endParaRPr lang="en-US" altLang="zh-CN" sz="2000" dirty="0">
+              <a:latin typeface="+mj-ea"/>
+            </a:endParaRPr>
+          </a:p>
+          <a:p>
+            <a:pPr lvl="1"/>
+            <a:r>
+              <a:rPr lang="zh-CN" altLang="en-US" dirty="0"/>
+              <a:t>不能申请额外数据结构</a:t>
+            </a:r>
+            <a:endParaRPr lang="en-US" altLang="zh-CN" dirty="0"/>
+          </a:p>
+          <a:p>
+            <a:pPr marL="342900" lvl="1" indent="-342900"/>
+            <a:r>
+              <a:rPr lang="zh-CN" altLang="en-US" sz="2000" dirty="0">
+                <a:latin typeface="+mj-ea"/>
+              </a:rPr>
+              <a:t>打印字符串的全部子序列</a:t>
+            </a:r>
+            <a:endParaRPr lang="en-US" altLang="zh-CN" sz="2000" dirty="0">
+              <a:latin typeface="+mj-ea"/>
+            </a:endParaRPr>
+          </a:p>
+          <a:p>
+            <a:pPr lvl="1"/>
+            <a:r>
+              <a:rPr lang="zh-CN" altLang="en-US" dirty="0"/>
+              <a:t>可以重复</a:t>
+            </a:r>
+            <a:endParaRPr lang="en-US" altLang="zh-CN" dirty="0"/>
+          </a:p>
+          <a:p>
+            <a:pPr lvl="1"/>
+            <a:r>
+              <a:rPr lang="zh-CN" altLang="en-US" dirty="0"/>
+              <a:t>不重复</a:t>
+            </a:r>
+            <a:endParaRPr lang="en-US" altLang="zh-CN" dirty="0"/>
+          </a:p>
+          <a:p>
+            <a:pPr marL="342900" lvl="1" indent="-342900"/>
+            <a:r>
+              <a:rPr lang="zh-CN" altLang="en-US" sz="2000" dirty="0">
+                <a:latin typeface="+mj-ea"/>
+              </a:rPr>
+              <a:t>字符串全排列</a:t>
+            </a:r>
+            <a:endParaRPr lang="en-US" altLang="zh-CN" sz="2000" dirty="0">
+              <a:latin typeface="+mj-ea"/>
+            </a:endParaRPr>
+          </a:p>
+          <a:p>
+            <a:pPr lvl="1"/>
+            <a:r>
+              <a:rPr lang="zh-CN" altLang="en-US" dirty="0"/>
+              <a:t>可以重复</a:t>
+            </a:r>
+            <a:endParaRPr lang="en-US" altLang="zh-CN" dirty="0"/>
+          </a:p>
+          <a:p>
+            <a:pPr lvl="1"/>
+            <a:r>
+              <a:rPr lang="zh-CN" altLang="en-US" dirty="0"/>
+              <a:t>不重复，去重，分支限界</a:t>
+            </a:r>
+            <a:endParaRPr lang="en-US" altLang="zh-CN" dirty="0"/>
+          </a:p>
+          <a:p>
+            <a:pPr marL="171450" lvl="2" indent="0">
+              <a:buNone/>
+            </a:pPr>
+            <a:endParaRPr lang="en-US" altLang="zh-CN" dirty="0"/>
+          </a:p>
+          <a:p>
+            <a:pPr marL="857250" lvl="3"/>
+            <a:endParaRPr lang="en-US" altLang="zh-CN" dirty="0"/>
+          </a:p>
+          <a:p>
+            <a:pPr marL="400050" lvl="2"/>
+            <a:endParaRPr lang="en-US" altLang="zh-CN" dirty="0"/>
+          </a:p>
+          <a:p>
+            <a:pPr marL="400050" lvl="2"/>
+            <a:endParaRPr lang="en-US" altLang="zh-CN" dirty="0"/>
+          </a:p>
+          <a:p>
+            <a:pPr marL="0" lvl="1"/>
+            <a:endParaRPr lang="en-US" altLang="zh-CN" dirty="0"/>
+          </a:p>
+          <a:p>
+            <a:pPr marL="0" lvl="1"/>
+            <a:endParaRPr lang="en-US" altLang="zh-CN" dirty="0"/>
+          </a:p>
+        </p:txBody>
+      </p:sp>
+    </p:spTree>
+    <p:extLst>
+      <p:ext uri="{BB962C8B-B14F-4D97-AF65-F5344CB8AC3E}">
+        <p14:creationId xmlns:p14="http://schemas.microsoft.com/office/powerpoint/2010/main" val="3419022693"/>
+      </p:ext>
+    </p:extLst>
+  </p:cSld>
+  <p:clrMapOvr>
+    <a:masterClrMapping/>
+  </p:clrMapOvr>
+</p:sld>
+</file>
+
+<file path=ppt/slides/slide4.xml><?xml version="1.0" encoding="utf-8"?>
+<p:sld xmlns:a="http://schemas.openxmlformats.org/drawingml/2006/main" xmlns:r="http://schemas.openxmlformats.org/officeDocument/2006/relationships" xmlns:p="http://schemas.openxmlformats.org/presentationml/2006/main">
+  <p:cSld>
+    <p:spTree>
+      <p:nvGrpSpPr>
+        <p:cNvPr id="1" name=""/>
+        <p:cNvGrpSpPr/>
+        <p:nvPr/>
+      </p:nvGrpSpPr>
+      <p:grpSpPr>
+        <a:xfrm>
+          <a:off x="0" y="0"/>
+          <a:ext cx="0" cy="0"/>
+          <a:chOff x="0" y="0"/>
+          <a:chExt cx="0" cy="0"/>
+        </a:xfrm>
+      </p:grpSpPr>
+      <p:sp>
+        <p:nvSpPr>
+          <p:cNvPr id="2" name="标题 1">
+            <a:extLst>
+              <a:ext uri="{FF2B5EF4-FFF2-40B4-BE49-F238E27FC236}">
+                <a16:creationId xmlns:a16="http://schemas.microsoft.com/office/drawing/2014/main" id="{3659FD93-BBD5-4803-8955-8A10587CE0C8}"/>
+              </a:ext>
+            </a:extLst>
+          </p:cNvPr>
+          <p:cNvSpPr>
+            <a:spLocks noGrp="1"/>
+          </p:cNvSpPr>
+          <p:nvPr>
+            <p:ph type="title"/>
+          </p:nvPr>
+        </p:nvSpPr>
+        <p:spPr/>
+        <p:txBody>
+          <a:bodyPr/>
+          <a:lstStyle/>
+          <a:p>
+            <a:r>
+              <a:rPr lang="zh-CN" altLang="en-US" dirty="0"/>
+              <a:t>暴力递归</a:t>
+            </a:r>
+            <a:r>
+              <a:rPr lang="en-US" altLang="zh-CN" dirty="0"/>
+              <a:t>(Violent recursion)	</a:t>
+            </a:r>
+            <a:endParaRPr lang="zh-CN" altLang="en-US" dirty="0"/>
+          </a:p>
+        </p:txBody>
+      </p:sp>
+      <p:sp>
+        <p:nvSpPr>
+          <p:cNvPr id="3" name="内容占位符 2">
+            <a:extLst>
+              <a:ext uri="{FF2B5EF4-FFF2-40B4-BE49-F238E27FC236}">
+                <a16:creationId xmlns:a16="http://schemas.microsoft.com/office/drawing/2014/main" id="{D7C9C12E-3FCE-4DF8-A377-DE7A7604027B}"/>
+              </a:ext>
+            </a:extLst>
+          </p:cNvPr>
+          <p:cNvSpPr>
+            <a:spLocks noGrp="1"/>
+          </p:cNvSpPr>
+          <p:nvPr>
+            <p:ph idx="1"/>
+          </p:nvPr>
+        </p:nvSpPr>
+        <p:spPr>
+          <a:xfrm>
+            <a:off x="1104293" y="1524885"/>
+            <a:ext cx="8946541" cy="4195481"/>
+          </a:xfrm>
+        </p:spPr>
+        <p:txBody>
+          <a:bodyPr>
+            <a:noAutofit/>
+          </a:bodyPr>
+          <a:lstStyle/>
+          <a:p>
+            <a:pPr marL="0" lvl="1"/>
+            <a:r>
+              <a:rPr lang="zh-CN" altLang="en-US" sz="2000" dirty="0">
+                <a:latin typeface="+mj-ea"/>
+              </a:rPr>
+              <a:t>背包问题</a:t>
+            </a:r>
+            <a:endParaRPr lang="en-US" altLang="zh-CN" sz="2000" dirty="0">
+              <a:latin typeface="+mj-ea"/>
+            </a:endParaRPr>
+          </a:p>
+          <a:p>
+            <a:pPr marL="0" lvl="1"/>
+            <a:r>
+              <a:rPr lang="en-US" altLang="zh-CN" sz="2000" dirty="0" err="1">
+                <a:latin typeface="+mj-ea"/>
+              </a:rPr>
+              <a:t>FaceBook</a:t>
+            </a:r>
+            <a:r>
+              <a:rPr lang="zh-CN" altLang="en-US" sz="2000" dirty="0">
+                <a:latin typeface="+mj-ea"/>
+              </a:rPr>
+              <a:t>题</a:t>
+            </a:r>
+            <a:r>
+              <a:rPr lang="en-US" altLang="zh-CN" sz="2000" dirty="0">
+                <a:latin typeface="+mj-ea"/>
+              </a:rPr>
+              <a:t>,</a:t>
+            </a:r>
+            <a:r>
+              <a:rPr lang="zh-CN" altLang="en-US" sz="2000" dirty="0">
+                <a:latin typeface="+mj-ea"/>
+              </a:rPr>
+              <a:t>从左往右尝试模型</a:t>
+            </a:r>
+            <a:endParaRPr lang="en-US" altLang="zh-CN" sz="2000" dirty="0">
+              <a:latin typeface="+mj-ea"/>
+            </a:endParaRPr>
+          </a:p>
+          <a:p>
+            <a:pPr lvl="1"/>
+            <a:r>
+              <a:rPr lang="en-US" altLang="zh-CN" dirty="0"/>
+              <a:t>1</a:t>
+            </a:r>
+            <a:r>
+              <a:rPr lang="zh-CN" altLang="en-US" dirty="0"/>
+              <a:t>：</a:t>
+            </a:r>
+            <a:r>
+              <a:rPr lang="en-US" altLang="zh-CN" dirty="0"/>
+              <a:t>A,2:B…</a:t>
+            </a:r>
+          </a:p>
+          <a:p>
+            <a:pPr marL="400050" lvl="2"/>
+            <a:endParaRPr lang="en-US" altLang="zh-CN" sz="1800" dirty="0"/>
+          </a:p>
+          <a:p>
+            <a:pPr marL="0" lvl="1"/>
+            <a:r>
+              <a:rPr lang="zh-CN" altLang="en-US" sz="2000" dirty="0">
+                <a:latin typeface="+mj-ea"/>
+              </a:rPr>
+              <a:t>范围模型</a:t>
+            </a:r>
+            <a:endParaRPr lang="en-US" altLang="zh-CN" sz="2000" dirty="0">
+              <a:latin typeface="+mj-ea"/>
+            </a:endParaRPr>
+          </a:p>
+          <a:p>
+            <a:pPr lvl="1"/>
+            <a:r>
+              <a:rPr lang="zh-CN" altLang="en-US" dirty="0"/>
+              <a:t>扑克得分</a:t>
+            </a:r>
+            <a:endParaRPr lang="en-US" altLang="zh-CN" dirty="0"/>
+          </a:p>
+          <a:p>
+            <a:pPr marL="857250" lvl="3"/>
+            <a:endParaRPr lang="en-US" altLang="zh-CN" sz="1800" dirty="0"/>
+          </a:p>
+          <a:p>
+            <a:pPr marL="400050" lvl="2"/>
+            <a:endParaRPr lang="en-US" altLang="zh-CN" sz="1800" dirty="0"/>
+          </a:p>
+          <a:p>
+            <a:pPr marL="400050" lvl="2"/>
+            <a:endParaRPr lang="en-US" altLang="zh-CN" sz="1800" dirty="0"/>
+          </a:p>
+          <a:p>
+            <a:pPr marL="0" lvl="1"/>
+            <a:endParaRPr lang="en-US" altLang="zh-CN" dirty="0"/>
+          </a:p>
+          <a:p>
+            <a:pPr marL="0" lvl="1"/>
+            <a:endParaRPr lang="en-US" altLang="zh-CN" dirty="0"/>
+          </a:p>
+        </p:txBody>
+      </p:sp>
+    </p:spTree>
+    <p:extLst>
+      <p:ext uri="{BB962C8B-B14F-4D97-AF65-F5344CB8AC3E}">
+        <p14:creationId xmlns:p14="http://schemas.microsoft.com/office/powerpoint/2010/main" val="3703631575"/>
+      </p:ext>
+    </p:extLst>
+  </p:cSld>
+  <p:clrMapOvr>
+    <a:masterClrMapping/>
+  </p:clrMapOvr>
+</p:sld>
+</file>
+
+<file path=ppt/slides/slide5.xml><?xml version="1.0" encoding="utf-8"?>
+<p:sld xmlns:a="http://schemas.openxmlformats.org/drawingml/2006/main" xmlns:r="http://schemas.openxmlformats.org/officeDocument/2006/relationships" xmlns:p="http://schemas.openxmlformats.org/presentationml/2006/main">
+  <p:cSld>
+    <p:spTree>
+      <p:nvGrpSpPr>
+        <p:cNvPr id="1" name=""/>
+        <p:cNvGrpSpPr/>
+        <p:nvPr/>
+      </p:nvGrpSpPr>
+      <p:grpSpPr>
+        <a:xfrm>
+          <a:off x="0" y="0"/>
+          <a:ext cx="0" cy="0"/>
+          <a:chOff x="0" y="0"/>
+          <a:chExt cx="0" cy="0"/>
+        </a:xfrm>
+      </p:grpSpPr>
+      <p:sp>
+        <p:nvSpPr>
+          <p:cNvPr id="2" name="标题 1">
+            <a:extLst>
+              <a:ext uri="{FF2B5EF4-FFF2-40B4-BE49-F238E27FC236}">
+                <a16:creationId xmlns:a16="http://schemas.microsoft.com/office/drawing/2014/main" id="{C5B77E7F-5D60-4458-A350-AFD234ADF287}"/>
+              </a:ext>
+            </a:extLst>
+          </p:cNvPr>
+          <p:cNvSpPr>
+            <a:spLocks noGrp="1"/>
+          </p:cNvSpPr>
+          <p:nvPr>
+            <p:ph type="title"/>
+          </p:nvPr>
+        </p:nvSpPr>
+        <p:spPr/>
+        <p:txBody>
+          <a:bodyPr/>
+          <a:lstStyle/>
+          <a:p>
+            <a:r>
+              <a:rPr lang="zh-CN" altLang="en-US" dirty="0"/>
+              <a:t>动态规划</a:t>
+            </a:r>
+          </a:p>
+        </p:txBody>
+      </p:sp>
+      <p:sp>
+        <p:nvSpPr>
+          <p:cNvPr id="3" name="内容占位符 2">
+            <a:extLst>
+              <a:ext uri="{FF2B5EF4-FFF2-40B4-BE49-F238E27FC236}">
+                <a16:creationId xmlns:a16="http://schemas.microsoft.com/office/drawing/2014/main" id="{9F11E53A-A248-40D1-A64A-6CF940B2F646}"/>
+              </a:ext>
+            </a:extLst>
+          </p:cNvPr>
+          <p:cNvSpPr>
+            <a:spLocks noGrp="1"/>
+          </p:cNvSpPr>
+          <p:nvPr>
+            <p:ph idx="1"/>
+          </p:nvPr>
+        </p:nvSpPr>
+        <p:spPr/>
+        <p:txBody>
+          <a:bodyPr/>
+          <a:lstStyle/>
+          <a:p>
+            <a:endParaRPr lang="zh-CN" altLang="en-US"/>
+          </a:p>
+        </p:txBody>
+      </p:sp>
+    </p:spTree>
+    <p:extLst>
+      <p:ext uri="{BB962C8B-B14F-4D97-AF65-F5344CB8AC3E}">
+        <p14:creationId xmlns:p14="http://schemas.microsoft.com/office/powerpoint/2010/main" val="716708838"/>
       </p:ext>
     </p:extLst>
   </p:cSld>
@@ -6145,10 +6661,10 @@
   <a:themeElements>
     <a:clrScheme name="Ion">
       <a:dk1>
-        <a:sysClr val="windowText" lastClr="2E353D"/>
+        <a:sysClr val="windowText" lastClr="000000"/>
       </a:dk1>
       <a:lt1>
-        <a:sysClr val="window" lastClr="F1F2F6"/>
+        <a:sysClr val="window" lastClr="FFFFFF"/>
       </a:lt1>
       <a:dk2>
         <a:srgbClr val="3B3059"/>
